--- a/lectures3/Pythonlearn-10-Tuples-PL.pptx
+++ b/lectures3/Pythonlearn-10-Tuples-PL.pptx
@@ -4744,7 +4744,7 @@
               <a:buNone/>
             </a:pPr>
             <a:r>
-              <a:rPr lang="pl" sz="7600" b="0" i="0" u="none" strike="noStrike" cap="none" baseline="0">
+              <a:rPr lang="pl" sz="7600" b="0" i="0" u="none" strike="noStrike" cap="none" baseline="0" dirty="0">
                 <a:solidFill>
                   <a:srgbClr val="FFD966"/>
                 </a:solidFill>

--- a/lectures3/Pythonlearn-10-Tuples-PL.pptx
+++ b/lectures3/Pythonlearn-10-Tuples-PL.pptx
@@ -577,12 +577,12 @@
               <a:buNone/>
             </a:pPr>
             <a:r>
-              <a:rPr lang="pl" sz="1100" b="0" i="0" u="none" strike="noStrike" cap="none" baseline="0">
+              <a:rPr lang="pl-PL" sz="1100" b="0" i="0" u="none" strike="noStrike" cap="none" baseline="0" dirty="0">
                 <a:solidFill>
                   <a:schemeClr val="dk2"/>
                 </a:solidFill>
               </a:rPr>
-              <a:t>Notka od Chucka  Używając tych materiałów masz prawo usunąć logo UM i zastąpić je własnym ale zostaw proszę logo CC-BY na pierwszej stronie oraz strony z podziękowaniami dla współtwórców.</a:t>
+              <a:t>Notka od Chucka: używając tych materiałów masz prawo usunąć logo UM i zastąpić je własnym, ale zostaw proszę logo CC-BY na pierwszej stronie oraz strony z podziękowaniami dla współtwórców.</a:t>
             </a:r>
             <a:endParaRPr lang="pl" sz="1100" b="0" i="0" u="none" strike="noStrike" cap="none" dirty="0">
               <a:solidFill>
@@ -6727,7 +6727,7 @@
                 <a:cs typeface="Arial" charset="0"/>
                 <a:sym typeface="Cabin"/>
               </a:rPr>
-              <a:t>wg.</a:t>
+              <a:t>wg</a:t>
             </a:r>
             <a:r>
               <a:rPr lang="pl" sz="6600" b="0" i="0" u="none" strike="noStrike" cap="none" baseline="0" dirty="0">
@@ -9157,7 +9157,7 @@
               <a:buNone/>
             </a:pPr>
             <a:r>
-              <a:rPr lang="pl" sz="3000" b="0" i="0" u="sng" strike="noStrike" cap="none" baseline="0">
+              <a:rPr lang="pl-PL" sz="3000" b="0" i="0" u="sng" strike="noStrike" cap="none" baseline="0" dirty="0">
                 <a:solidFill>
                   <a:schemeClr val="hlink"/>
                 </a:solidFill>
@@ -9167,8 +9167,18 @@
                 <a:sym typeface="Cabin"/>
                 <a:hlinkClick r:id="rId3"/>
               </a:rPr>
-              <a:t>http://wiki.python.org/moin/HowTo/Sorting</a:t>
-            </a:r>
+              <a:t>https://wiki.python.org/moin/HowTo/Sorting</a:t>
+            </a:r>
+            <a:endParaRPr lang="pl" sz="3000" b="0" i="0" u="sng" strike="noStrike" cap="none" baseline="0" dirty="0">
+              <a:solidFill>
+                <a:schemeClr val="hlink"/>
+              </a:solidFill>
+              <a:latin typeface="Arial" charset="0"/>
+              <a:ea typeface="Arial" charset="0"/>
+              <a:cs typeface="Arial" charset="0"/>
+              <a:sym typeface="Cabin"/>
+              <a:hlinkClick r:id="rId4"/>
+            </a:endParaRPr>
           </a:p>
         </p:txBody>
       </p:sp>
@@ -11698,7 +11708,19 @@
                 <a:cs typeface="Arial" charset="0"/>
                 <a:sym typeface="Cabin"/>
               </a:rPr>
-              <a:t> podobnie jak ciąg znaków</a:t>
+              <a:t> podobnie jak </a:t>
+            </a:r>
+            <a:r>
+              <a:rPr lang="pl-PL" sz="3800" b="0" i="0" u="none" strike="noStrike" cap="none" baseline="0" dirty="0">
+                <a:solidFill>
+                  <a:schemeClr val="lt1"/>
+                </a:solidFill>
+                <a:latin typeface="Arial" charset="0"/>
+                <a:ea typeface="Arial" charset="0"/>
+                <a:cs typeface="Arial" charset="0"/>
+                <a:sym typeface="Cabin"/>
+              </a:rPr>
+              <a:t>napis</a:t>
             </a:r>
           </a:p>
         </p:txBody>
